--- a/content/teaching/v202/slides/14_TradePolicy.pptx
+++ b/content/teaching/v202/slides/14_TradePolicy.pptx
@@ -5,10 +5,10 @@
     <p:sldMasterId id="2147493455" r:id="rId4"/>
   </p:sldMasterIdLst>
   <p:notesMasterIdLst>
-    <p:notesMasterId r:id="rId32"/>
+    <p:notesMasterId r:id="rId31"/>
   </p:notesMasterIdLst>
   <p:handoutMasterIdLst>
-    <p:handoutMasterId r:id="rId33"/>
+    <p:handoutMasterId r:id="rId32"/>
   </p:handoutMasterIdLst>
   <p:sldIdLst>
     <p:sldId id="489" r:id="rId5"/>
@@ -36,8 +36,7 @@
     <p:sldId id="813" r:id="rId27"/>
     <p:sldId id="815" r:id="rId28"/>
     <p:sldId id="816" r:id="rId29"/>
-    <p:sldId id="488" r:id="rId30"/>
-    <p:sldId id="724" r:id="rId31"/>
+    <p:sldId id="724" r:id="rId30"/>
   </p:sldIdLst>
   <p:sldSz cx="9144000" cy="5143500" type="screen16x9"/>
   <p:notesSz cx="6858000" cy="9144000"/>
@@ -166,7 +165,6 @@
             <p14:sldId id="813"/>
             <p14:sldId id="815"/>
             <p14:sldId id="816"/>
-            <p14:sldId id="488"/>
             <p14:sldId id="724"/>
           </p14:sldIdLst>
         </p14:section>
@@ -202,6 +200,27 @@
     </p:ext>
   </p:extLst>
 </p:presentation>
+</file>
+
+<file path=ppt/changesInfos/changesInfo1.xml><?xml version="1.0" encoding="utf-8"?>
+<pc:chgInfo xmlns:a="http://schemas.openxmlformats.org/drawingml/2006/main" xmlns:r="http://schemas.openxmlformats.org/officeDocument/2006/relationships" xmlns:ac="http://schemas.microsoft.com/office/drawing/2013/main/command" xmlns:pc="http://schemas.microsoft.com/office/powerpoint/2013/main/command">
+  <pc:docChgLst>
+    <pc:chgData name="Navarro Ulloa, Luis Enrique" userId="adde1b74-f296-445a-8659-1214c6e2ca22" providerId="ADAL" clId="{649ACEA3-9253-8949-9CBF-A89385C845A3}"/>
+    <pc:docChg chg="delSld modSection">
+      <pc:chgData name="Navarro Ulloa, Luis Enrique" userId="adde1b74-f296-445a-8659-1214c6e2ca22" providerId="ADAL" clId="{649ACEA3-9253-8949-9CBF-A89385C845A3}" dt="2024-08-20T14:35:41.479" v="0" actId="2696"/>
+      <pc:docMkLst>
+        <pc:docMk/>
+      </pc:docMkLst>
+      <pc:sldChg chg="del">
+        <pc:chgData name="Navarro Ulloa, Luis Enrique" userId="adde1b74-f296-445a-8659-1214c6e2ca22" providerId="ADAL" clId="{649ACEA3-9253-8949-9CBF-A89385C845A3}" dt="2024-08-20T14:35:41.479" v="0" actId="2696"/>
+        <pc:sldMkLst>
+          <pc:docMk/>
+          <pc:sldMk cId="2723586299" sldId="488"/>
+        </pc:sldMkLst>
+      </pc:sldChg>
+    </pc:docChg>
+  </pc:docChgLst>
+</pc:chgInfo>
 </file>
 
 <file path=ppt/handoutMasters/handoutMaster1.xml><?xml version="1.0" encoding="utf-8"?>
@@ -286,7 +305,7 @@
           <a:p>
             <a:fld id="{C87859BD-4604-2843-976C-9F2DEE3C79DB}" type="datetimeFigureOut">
               <a:rPr lang="en-US" smtClean="0"/>
-              <a:t>4/3/2023</a:t>
+              <a:t>8/20/24</a:t>
             </a:fld>
             <a:endParaRPr lang="en-US"/>
           </a:p>
@@ -451,7 +470,7 @@
           <a:p>
             <a:fld id="{DE108F45-8DB7-E449-85E4-EC04F96DF3AA}" type="datetimeFigureOut">
               <a:rPr lang="en-US" smtClean="0"/>
-              <a:t>4/3/2023</a:t>
+              <a:t>8/20/24</a:t>
             </a:fld>
             <a:endParaRPr lang="en-US"/>
           </a:p>
@@ -21653,381 +21672,6 @@
       </p:grpSpPr>
       <p:sp>
         <p:nvSpPr>
-          <p:cNvPr id="4" name="Title 3">
-            <a:extLst>
-              <a:ext uri="{FF2B5EF4-FFF2-40B4-BE49-F238E27FC236}">
-                <a16:creationId xmlns:a16="http://schemas.microsoft.com/office/drawing/2014/main" id="{65C81510-B585-55D4-871F-4373515622B0}"/>
-              </a:ext>
-            </a:extLst>
-          </p:cNvPr>
-          <p:cNvSpPr>
-            <a:spLocks noGrp="1"/>
-          </p:cNvSpPr>
-          <p:nvPr>
-            <p:ph type="ctrTitle"/>
-          </p:nvPr>
-        </p:nvSpPr>
-        <p:spPr/>
-        <p:txBody>
-          <a:bodyPr/>
-          <a:lstStyle/>
-          <a:p>
-            <a:r>
-              <a:rPr lang="en-US" dirty="0">
-                <a:solidFill>
-                  <a:schemeClr val="tx1"/>
-                </a:solidFill>
-                <a:latin typeface="+mn-lt"/>
-              </a:rPr>
-              <a:t>For Next Class</a:t>
-            </a:r>
-          </a:p>
-        </p:txBody>
-      </p:sp>
-      <p:sp>
-        <p:nvSpPr>
-          <p:cNvPr id="29" name="Content Placeholder 3">
-            <a:extLst>
-              <a:ext uri="{FF2B5EF4-FFF2-40B4-BE49-F238E27FC236}">
-                <a16:creationId xmlns:a16="http://schemas.microsoft.com/office/drawing/2014/main" id="{3DCD8C22-0BA2-1FB7-3948-72DFE0F15594}"/>
-              </a:ext>
-            </a:extLst>
-          </p:cNvPr>
-          <p:cNvSpPr txBox="1">
-            <a:spLocks/>
-          </p:cNvSpPr>
-          <p:nvPr/>
-        </p:nvSpPr>
-        <p:spPr>
-          <a:xfrm>
-            <a:off x="47367" y="1566274"/>
-            <a:ext cx="9049265" cy="2274206"/>
-          </a:xfrm>
-          <a:prstGeom prst="rect">
-            <a:avLst/>
-          </a:prstGeom>
-        </p:spPr>
-        <p:txBody>
-          <a:bodyPr vert="horz" lIns="91440" tIns="45720" rIns="91440" bIns="45720" rtlCol="0">
-            <a:normAutofit/>
-          </a:bodyPr>
-          <a:lstStyle>
-            <a:lvl1pPr marL="342900" indent="-342900" algn="l" defTabSz="457200" rtl="0" eaLnBrk="1" latinLnBrk="0" hangingPunct="1">
-              <a:lnSpc>
-                <a:spcPct val="100000"/>
-              </a:lnSpc>
-              <a:spcBef>
-                <a:spcPts val="0"/>
-              </a:spcBef>
-              <a:spcAft>
-                <a:spcPts val="1800"/>
-              </a:spcAft>
-              <a:buClr>
-                <a:schemeClr val="tx1">
-                  <a:lumMod val="50000"/>
-                  <a:lumOff val="50000"/>
-                </a:schemeClr>
-              </a:buClr>
-              <a:buSzPct val="100000"/>
-              <a:buFont typeface="Wingdings" charset="2"/>
-              <a:buChar char="§"/>
-              <a:defRPr sz="1800" kern="1200">
-                <a:solidFill>
-                  <a:schemeClr val="tx1"/>
-                </a:solidFill>
-                <a:latin typeface="Arial"/>
-                <a:ea typeface="+mn-ea"/>
-                <a:cs typeface="Arial"/>
-              </a:defRPr>
-            </a:lvl1pPr>
-            <a:lvl2pPr marL="742950" indent="-285750" algn="l" defTabSz="457200" rtl="0" eaLnBrk="1" latinLnBrk="0" hangingPunct="1">
-              <a:lnSpc>
-                <a:spcPct val="100000"/>
-              </a:lnSpc>
-              <a:spcBef>
-                <a:spcPts val="0"/>
-              </a:spcBef>
-              <a:spcAft>
-                <a:spcPts val="1800"/>
-              </a:spcAft>
-              <a:buFont typeface="Arial"/>
-              <a:buChar char="–"/>
-              <a:defRPr sz="1800" kern="1200">
-                <a:solidFill>
-                  <a:schemeClr val="tx1"/>
-                </a:solidFill>
-                <a:latin typeface="Arial"/>
-                <a:ea typeface="+mn-ea"/>
-                <a:cs typeface="Arial"/>
-              </a:defRPr>
-            </a:lvl2pPr>
-            <a:lvl3pPr marL="1143000" indent="-228600" algn="l" defTabSz="457200" rtl="0" eaLnBrk="1" latinLnBrk="0" hangingPunct="1">
-              <a:lnSpc>
-                <a:spcPct val="100000"/>
-              </a:lnSpc>
-              <a:spcBef>
-                <a:spcPts val="0"/>
-              </a:spcBef>
-              <a:spcAft>
-                <a:spcPts val="1800"/>
-              </a:spcAft>
-              <a:buFont typeface="Arial"/>
-              <a:buChar char="•"/>
-              <a:defRPr sz="1800" kern="1200">
-                <a:solidFill>
-                  <a:schemeClr val="tx1"/>
-                </a:solidFill>
-                <a:latin typeface="Arial"/>
-                <a:ea typeface="+mn-ea"/>
-                <a:cs typeface="Arial"/>
-              </a:defRPr>
-            </a:lvl3pPr>
-            <a:lvl4pPr marL="1600200" indent="-228600" algn="l" defTabSz="457200" rtl="0" eaLnBrk="1" latinLnBrk="0" hangingPunct="1">
-              <a:lnSpc>
-                <a:spcPct val="100000"/>
-              </a:lnSpc>
-              <a:spcBef>
-                <a:spcPts val="0"/>
-              </a:spcBef>
-              <a:spcAft>
-                <a:spcPts val="1800"/>
-              </a:spcAft>
-              <a:buFont typeface="Arial"/>
-              <a:buChar char="–"/>
-              <a:defRPr sz="1800" kern="1200">
-                <a:solidFill>
-                  <a:schemeClr val="tx1"/>
-                </a:solidFill>
-                <a:latin typeface="Arial"/>
-                <a:ea typeface="+mn-ea"/>
-                <a:cs typeface="Arial"/>
-              </a:defRPr>
-            </a:lvl4pPr>
-            <a:lvl5pPr marL="2057400" indent="-228600" algn="l" defTabSz="457200" rtl="0" eaLnBrk="1" latinLnBrk="0" hangingPunct="1">
-              <a:lnSpc>
-                <a:spcPct val="100000"/>
-              </a:lnSpc>
-              <a:spcBef>
-                <a:spcPts val="0"/>
-              </a:spcBef>
-              <a:spcAft>
-                <a:spcPts val="1800"/>
-              </a:spcAft>
-              <a:buFont typeface="Arial"/>
-              <a:buChar char="»"/>
-              <a:defRPr sz="1800" kern="1200">
-                <a:solidFill>
-                  <a:schemeClr val="tx1"/>
-                </a:solidFill>
-                <a:latin typeface="Arial"/>
-                <a:ea typeface="+mn-ea"/>
-                <a:cs typeface="Arial"/>
-              </a:defRPr>
-            </a:lvl5pPr>
-            <a:lvl6pPr marL="2514600" indent="-228600" algn="l" defTabSz="457200" rtl="0" eaLnBrk="1" latinLnBrk="0" hangingPunct="1">
-              <a:spcBef>
-                <a:spcPct val="20000"/>
-              </a:spcBef>
-              <a:buFont typeface="Arial"/>
-              <a:buChar char="•"/>
-              <a:defRPr sz="2000" kern="1200">
-                <a:solidFill>
-                  <a:schemeClr val="tx1"/>
-                </a:solidFill>
-                <a:latin typeface="+mn-lt"/>
-                <a:ea typeface="+mn-ea"/>
-                <a:cs typeface="+mn-cs"/>
-              </a:defRPr>
-            </a:lvl6pPr>
-            <a:lvl7pPr marL="2971800" indent="-228600" algn="l" defTabSz="457200" rtl="0" eaLnBrk="1" latinLnBrk="0" hangingPunct="1">
-              <a:spcBef>
-                <a:spcPct val="20000"/>
-              </a:spcBef>
-              <a:buFont typeface="Arial"/>
-              <a:buChar char="•"/>
-              <a:defRPr sz="2000" kern="1200">
-                <a:solidFill>
-                  <a:schemeClr val="tx1"/>
-                </a:solidFill>
-                <a:latin typeface="+mn-lt"/>
-                <a:ea typeface="+mn-ea"/>
-                <a:cs typeface="+mn-cs"/>
-              </a:defRPr>
-            </a:lvl7pPr>
-            <a:lvl8pPr marL="3429000" indent="-228600" algn="l" defTabSz="457200" rtl="0" eaLnBrk="1" latinLnBrk="0" hangingPunct="1">
-              <a:spcBef>
-                <a:spcPct val="20000"/>
-              </a:spcBef>
-              <a:buFont typeface="Arial"/>
-              <a:buChar char="•"/>
-              <a:defRPr sz="2000" kern="1200">
-                <a:solidFill>
-                  <a:schemeClr val="tx1"/>
-                </a:solidFill>
-                <a:latin typeface="+mn-lt"/>
-                <a:ea typeface="+mn-ea"/>
-                <a:cs typeface="+mn-cs"/>
-              </a:defRPr>
-            </a:lvl8pPr>
-            <a:lvl9pPr marL="3886200" indent="-228600" algn="l" defTabSz="457200" rtl="0" eaLnBrk="1" latinLnBrk="0" hangingPunct="1">
-              <a:spcBef>
-                <a:spcPct val="20000"/>
-              </a:spcBef>
-              <a:buFont typeface="Arial"/>
-              <a:buChar char="•"/>
-              <a:defRPr sz="2000" kern="1200">
-                <a:solidFill>
-                  <a:schemeClr val="tx1"/>
-                </a:solidFill>
-                <a:latin typeface="+mn-lt"/>
-                <a:ea typeface="+mn-ea"/>
-                <a:cs typeface="+mn-cs"/>
-              </a:defRPr>
-            </a:lvl9pPr>
-          </a:lstStyle>
-          <a:p>
-            <a:pPr>
-              <a:buClr>
-                <a:srgbClr val="690304"/>
-              </a:buClr>
-              <a:buFont typeface="Wingdings" panose="05000000000000000000" pitchFamily="2" charset="2"/>
-              <a:buChar char="§"/>
-            </a:pPr>
-            <a:r>
-              <a:rPr lang="en-US" sz="1400" b="1" dirty="0">
-                <a:latin typeface="+mn-lt"/>
-                <a:cs typeface="Times New Roman" panose="02020603050405020304" pitchFamily="18" charset="0"/>
-              </a:rPr>
-              <a:t>Next class: </a:t>
-            </a:r>
-            <a:r>
-              <a:rPr lang="en-US" sz="1400" dirty="0">
-                <a:latin typeface="+mn-lt"/>
-                <a:cs typeface="Times New Roman" panose="02020603050405020304" pitchFamily="18" charset="0"/>
-              </a:rPr>
-              <a:t>Public Goods </a:t>
-            </a:r>
-            <a:endParaRPr lang="en-US" sz="1400" b="1" dirty="0">
-              <a:latin typeface="+mn-lt"/>
-              <a:cs typeface="Times New Roman" panose="02020603050405020304" pitchFamily="18" charset="0"/>
-            </a:endParaRPr>
-          </a:p>
-        </p:txBody>
-      </p:sp>
-    </p:spTree>
-    <p:extLst>
-      <p:ext uri="{BB962C8B-B14F-4D97-AF65-F5344CB8AC3E}">
-        <p14:creationId xmlns:p14="http://schemas.microsoft.com/office/powerpoint/2010/main" val="2723586299"/>
-      </p:ext>
-    </p:extLst>
-  </p:cSld>
-  <p:clrMapOvr>
-    <a:masterClrMapping/>
-  </p:clrMapOvr>
-  <p:timing>
-    <p:tnLst>
-      <p:par>
-        <p:cTn id="1" dur="indefinite" restart="never" nodeType="tmRoot">
-          <p:childTnLst>
-            <p:seq concurrent="1" nextAc="seek">
-              <p:cTn id="2" dur="indefinite" nodeType="mainSeq">
-                <p:childTnLst>
-                  <p:par>
-                    <p:cTn id="3" fill="hold">
-                      <p:stCondLst>
-                        <p:cond delay="indefinite"/>
-                      </p:stCondLst>
-                      <p:childTnLst>
-                        <p:par>
-                          <p:cTn id="4" fill="hold">
-                            <p:stCondLst>
-                              <p:cond delay="0"/>
-                            </p:stCondLst>
-                            <p:childTnLst>
-                              <p:par>
-                                <p:cTn id="5" presetID="1" presetClass="entr" presetSubtype="0" fill="hold" grpId="0" nodeType="clickEffect">
-                                  <p:stCondLst>
-                                    <p:cond delay="0"/>
-                                  </p:stCondLst>
-                                  <p:childTnLst>
-                                    <p:set>
-                                      <p:cBhvr>
-                                        <p:cTn id="6" dur="1" fill="hold">
-                                          <p:stCondLst>
-                                            <p:cond delay="0"/>
-                                          </p:stCondLst>
-                                        </p:cTn>
-                                        <p:tgtEl>
-                                          <p:spTgt spid="29">
-                                            <p:txEl>
-                                              <p:pRg st="0" end="0"/>
-                                            </p:txEl>
-                                          </p:spTgt>
-                                        </p:tgtEl>
-                                        <p:attrNameLst>
-                                          <p:attrName>style.visibility</p:attrName>
-                                        </p:attrNameLst>
-                                      </p:cBhvr>
-                                      <p:to>
-                                        <p:strVal val="visible"/>
-                                      </p:to>
-                                    </p:set>
-                                  </p:childTnLst>
-                                </p:cTn>
-                              </p:par>
-                            </p:childTnLst>
-                          </p:cTn>
-                        </p:par>
-                      </p:childTnLst>
-                    </p:cTn>
-                  </p:par>
-                </p:childTnLst>
-              </p:cTn>
-              <p:prevCondLst>
-                <p:cond evt="onPrev" delay="0">
-                  <p:tgtEl>
-                    <p:sldTgt/>
-                  </p:tgtEl>
-                </p:cond>
-              </p:prevCondLst>
-              <p:nextCondLst>
-                <p:cond evt="onNext" delay="0">
-                  <p:tgtEl>
-                    <p:sldTgt/>
-                  </p:tgtEl>
-                </p:cond>
-              </p:nextCondLst>
-            </p:seq>
-          </p:childTnLst>
-        </p:cTn>
-      </p:par>
-    </p:tnLst>
-    <p:bldLst>
-      <p:bldP spid="29" grpId="0" build="p"/>
-    </p:bldLst>
-  </p:timing>
-</p:sld>
-</file>
-
-<file path=ppt/slides/slide27.xml><?xml version="1.0" encoding="utf-8"?>
-<p:sld xmlns:a="http://schemas.openxmlformats.org/drawingml/2006/main" xmlns:r="http://schemas.openxmlformats.org/officeDocument/2006/relationships" xmlns:p="http://schemas.openxmlformats.org/presentationml/2006/main">
-  <p:cSld>
-    <p:spTree>
-      <p:nvGrpSpPr>
-        <p:cNvPr id="1" name=""/>
-        <p:cNvGrpSpPr/>
-        <p:nvPr/>
-      </p:nvGrpSpPr>
-      <p:grpSpPr>
-        <a:xfrm>
-          <a:off x="0" y="0"/>
-          <a:ext cx="0" cy="0"/>
-          <a:chOff x="0" y="0"/>
-          <a:chExt cx="0" cy="0"/>
-        </a:xfrm>
-      </p:grpSpPr>
-      <p:sp>
-        <p:nvSpPr>
           <p:cNvPr id="6" name="Text Placeholder 2">
             <a:extLst>
               <a:ext uri="{FF2B5EF4-FFF2-40B4-BE49-F238E27FC236}">
@@ -29103,6 +28747,12 @@
 </file>
 
 <file path=customXml/item2.xml><?xml version="1.0" encoding="utf-8"?>
+<p:properties xmlns:p="http://schemas.microsoft.com/office/2006/metadata/properties" xmlns:xsi="http://www.w3.org/2001/XMLSchema-instance" xmlns:pc="http://schemas.microsoft.com/office/infopath/2007/PartnerControls">
+  <documentManagement/>
+</p:properties>
+</file>
+
+<file path=customXml/item3.xml><?xml version="1.0" encoding="utf-8"?>
 <ct:contentTypeSchema xmlns:ct="http://schemas.microsoft.com/office/2006/metadata/contentType" xmlns:ma="http://schemas.microsoft.com/office/2006/metadata/properties/metaAttributes" ct:_="" ma:_="" ma:contentTypeName="Document" ma:contentTypeID="0x010100774F5D463876B2498F216835DB1298F6" ma:contentTypeVersion="13" ma:contentTypeDescription="Create a new document." ma:contentTypeScope="" ma:versionID="7957ea766adc7a1f8ada85e1f16c5ad0">
   <xsd:schema xmlns:xsd="http://www.w3.org/2001/XMLSchema" xmlns:xs="http://www.w3.org/2001/XMLSchema" xmlns:p="http://schemas.microsoft.com/office/2006/metadata/properties" xmlns:ns2="82db8b44-0703-48fc-920e-285d3f66b75e" xmlns:ns3="8db4f6ed-281a-40b3-a3a6-248115f75364" targetNamespace="http://schemas.microsoft.com/office/2006/metadata/properties" ma:root="true" ma:fieldsID="51c19d7e075a31899c1cd216db6b60db" ns2:_="" ns3:_="">
     <xsd:import namespace="82db8b44-0703-48fc-920e-285d3f66b75e"/>
@@ -29325,12 +28975,6 @@
 </ct:contentTypeSchema>
 </file>
 
-<file path=customXml/item3.xml><?xml version="1.0" encoding="utf-8"?>
-<p:properties xmlns:p="http://schemas.microsoft.com/office/2006/metadata/properties" xmlns:xsi="http://www.w3.org/2001/XMLSchema-instance" xmlns:pc="http://schemas.microsoft.com/office/infopath/2007/PartnerControls">
-  <documentManagement/>
-</p:properties>
-</file>
-
 <file path=customXml/itemProps1.xml><?xml version="1.0" encoding="utf-8"?>
 <ds:datastoreItem xmlns:ds="http://schemas.openxmlformats.org/officeDocument/2006/customXml" ds:itemID="{87D2A1B0-FF3E-4009-940D-AED0EB70AA20}">
   <ds:schemaRefs>
@@ -29340,6 +28984,23 @@
 </file>
 
 <file path=customXml/itemProps2.xml><?xml version="1.0" encoding="utf-8"?>
+<ds:datastoreItem xmlns:ds="http://schemas.openxmlformats.org/officeDocument/2006/customXml" ds:itemID="{7B6F2769-7194-4217-93D3-3AF3A4742282}">
+  <ds:schemaRefs>
+    <ds:schemaRef ds:uri="82db8b44-0703-48fc-920e-285d3f66b75e"/>
+    <ds:schemaRef ds:uri="http://schemas.microsoft.com/office/2006/documentManagement/types"/>
+    <ds:schemaRef ds:uri="http://purl.org/dc/elements/1.1/"/>
+    <ds:schemaRef ds:uri="http://www.w3.org/XML/1998/namespace"/>
+    <ds:schemaRef ds:uri="http://purl.org/dc/terms/"/>
+    <ds:schemaRef ds:uri="http://schemas.microsoft.com/office/infopath/2007/PartnerControls"/>
+    <ds:schemaRef ds:uri="http://schemas.openxmlformats.org/package/2006/metadata/core-properties"/>
+    <ds:schemaRef ds:uri="8db4f6ed-281a-40b3-a3a6-248115f75364"/>
+    <ds:schemaRef ds:uri="http://schemas.microsoft.com/office/2006/metadata/properties"/>
+    <ds:schemaRef ds:uri="http://purl.org/dc/dcmitype/"/>
+  </ds:schemaRefs>
+</ds:datastoreItem>
+</file>
+
+<file path=customXml/itemProps3.xml><?xml version="1.0" encoding="utf-8"?>
 <ds:datastoreItem xmlns:ds="http://schemas.openxmlformats.org/officeDocument/2006/customXml" ds:itemID="{00CDEACD-F46F-495A-8810-85205DBC3305}">
   <ds:schemaRefs>
     <ds:schemaRef ds:uri="http://schemas.microsoft.com/office/2006/metadata/contentType"/>
@@ -29356,21 +29017,4 @@
     <ds:schemaRef ds:uri="http://schemas.microsoft.com/internal/obd"/>
   </ds:schemaRefs>
 </ds:datastoreItem>
-</file>
-
-<file path=customXml/itemProps3.xml><?xml version="1.0" encoding="utf-8"?>
-<ds:datastoreItem xmlns:ds="http://schemas.openxmlformats.org/officeDocument/2006/customXml" ds:itemID="{7B6F2769-7194-4217-93D3-3AF3A4742282}">
-  <ds:schemaRefs>
-    <ds:schemaRef ds:uri="http://schemas.microsoft.com/office/2006/documentManagement/types"/>
-    <ds:schemaRef ds:uri="http://www.w3.org/XML/1998/namespace"/>
-    <ds:schemaRef ds:uri="http://purl.org/dc/elements/1.1/"/>
-    <ds:schemaRef ds:uri="http://purl.org/dc/terms/"/>
-    <ds:schemaRef ds:uri="82db8b44-0703-48fc-920e-285d3f66b75e"/>
-    <ds:schemaRef ds:uri="8db4f6ed-281a-40b3-a3a6-248115f75364"/>
-    <ds:schemaRef ds:uri="http://schemas.microsoft.com/office/2006/metadata/properties"/>
-    <ds:schemaRef ds:uri="http://schemas.microsoft.com/office/infopath/2007/PartnerControls"/>
-    <ds:schemaRef ds:uri="http://schemas.openxmlformats.org/package/2006/metadata/core-properties"/>
-    <ds:schemaRef ds:uri="http://purl.org/dc/dcmitype/"/>
-  </ds:schemaRefs>
-</ds:datastoreItem>
 </file>